--- a/predavanja/prezentacije/OOP11-Apstraktne klase i interfejsi.pptx
+++ b/predavanja/prezentacije/OOP11-Apstraktne klase i interfejsi.pptx
@@ -32154,23 +32154,8 @@
               <a:rPr lang="sr-Cyrl-RS" dirty="0" smtClean="0">
                 <a:latin typeface="Garamond" pitchFamily="18" charset="0"/>
               </a:rPr>
-              <a:t>Истовремено, објекат ове класе испаљује </a:t>
-            </a:r>
-            <a:r>
-              <a:rPr lang="sr-Cyrl-RS" dirty="0" smtClean="0">
-                <a:latin typeface="Garamond" pitchFamily="18" charset="0"/>
-              </a:rPr>
-              <a:t>(емитује) </a:t>
-            </a:r>
-            <a:r>
-              <a:rPr lang="sr-Cyrl-RS" dirty="0" smtClean="0">
-                <a:latin typeface="Garamond" pitchFamily="18" charset="0"/>
-              </a:rPr>
-              <a:t>догађаје</a:t>
-            </a:r>
-            <a:endParaRPr lang="sr-Cyrl-RS" dirty="0" smtClean="0">
-              <a:latin typeface="Garamond" pitchFamily="18" charset="0"/>
-            </a:endParaRPr>
+              <a:t>Истовремено, објекат ове класе испаљује (емитује) догађаје</a:t>
+            </a:r>
           </a:p>
           <a:p>
             <a:pPr marL="342900" indent="-342900">

--- a/predavanja/prezentacije/OOP11-Apstraktne klase i interfejsi.pptx
+++ b/predavanja/prezentacije/OOP11-Apstraktne klase i interfejsi.pptx
@@ -23189,16 +23189,40 @@
               <a:rPr lang="sr-Cyrl-RS" dirty="0" smtClean="0">
                 <a:latin typeface="Garamond" pitchFamily="18" charset="0"/>
               </a:rPr>
-              <a:t>као код </a:t>
-            </a:r>
-            <a:r>
-              <a:rPr lang="en-US" sz="1800" dirty="0" err="1" smtClean="0">
+              <a:t>као </a:t>
+            </a:r>
+            <a:r>
+              <a:rPr lang="sr-Cyrl-RS" dirty="0" smtClean="0">
+                <a:latin typeface="Garamond" pitchFamily="18" charset="0"/>
+              </a:rPr>
+              <a:t>код</a:t>
+            </a:r>
+            <a:r>
+              <a:rPr lang="sr-Latn-RS" dirty="0" smtClean="0">
+                <a:latin typeface="Garamond" pitchFamily="18" charset="0"/>
+              </a:rPr>
+              <a:t> </a:t>
+            </a:r>
+            <a:r>
+              <a:rPr lang="sr-Cyrl-RS" dirty="0" smtClean="0">
+                <a:latin typeface="Garamond" pitchFamily="18" charset="0"/>
+              </a:rPr>
+              <a:t>метода </a:t>
+            </a:r>
+            <a:r>
+              <a:rPr lang="en-US" sz="1800" smtClean="0">
                 <a:latin typeface="+mn-lt"/>
               </a:rPr>
-              <a:t>Cloneable</a:t>
-            </a:r>
-            <a:r>
-              <a:rPr lang="en-US" dirty="0" smtClean="0">
+              <a:t>c</a:t>
+            </a:r>
+            <a:r>
+              <a:rPr lang="en-US" sz="1800" smtClean="0">
+                <a:latin typeface="+mn-lt"/>
+              </a:rPr>
+              <a:t>lone</a:t>
+            </a:r>
+            <a:r>
+              <a:rPr lang="en-US" smtClean="0">
                 <a:latin typeface="Garamond" pitchFamily="18" charset="0"/>
               </a:rPr>
               <a:t>)</a:t>
@@ -29106,7 +29130,31 @@
               <a:rPr lang="sr-Cyrl-RS" dirty="0" smtClean="0">
                 <a:latin typeface="Garamond" pitchFamily="18" charset="0"/>
               </a:rPr>
-              <a:t>Испаљивање догађаја прослђује референцу на један приемрак догађаја према свим регистрованим ослушкивачима </a:t>
+              <a:t>Испаљивање </a:t>
+            </a:r>
+            <a:r>
+              <a:rPr lang="sr-Cyrl-RS" smtClean="0">
+                <a:latin typeface="Garamond" pitchFamily="18" charset="0"/>
+              </a:rPr>
+              <a:t>догађаја прослеђује </a:t>
+            </a:r>
+            <a:r>
+              <a:rPr lang="sr-Cyrl-RS" dirty="0" smtClean="0">
+                <a:latin typeface="Garamond" pitchFamily="18" charset="0"/>
+              </a:rPr>
+              <a:t>референцу на </a:t>
+            </a:r>
+            <a:r>
+              <a:rPr lang="sr-Cyrl-RS" smtClean="0">
+                <a:latin typeface="Garamond" pitchFamily="18" charset="0"/>
+              </a:rPr>
+              <a:t>један примерак </a:t>
+            </a:r>
+            <a:r>
+              <a:rPr lang="sr-Cyrl-RS" dirty="0" smtClean="0">
+                <a:latin typeface="Garamond" pitchFamily="18" charset="0"/>
+              </a:rPr>
+              <a:t>догађаја према свим регистрованим ослушкивачима </a:t>
             </a:r>
           </a:p>
           <a:p>
